--- a/lecture3/presentation/lecture03.pptx
+++ b/lecture3/presentation/lecture03.pptx
@@ -168,6 +168,11 @@
       </a:defRPr>
     </a:lvl9pPr>
   </p:defaultTextStyle>
+  <p:extLst>
+    <p:ext uri="{EFAFB233-063F-42B5-8137-9DF3F51BA10A}">
+      <p15:sldGuideLst xmlns:p15="http://schemas.microsoft.com/office/powerpoint/2012/main"/>
+    </p:ext>
+  </p:extLst>
 </p:presentation>
 </file>
 
@@ -6440,7 +6445,7 @@
                 </a:uFill>
                 <a:latin typeface="Calibri"/>
               </a:rPr>
-              <a:t>ArratList</a:t>
+              <a:t>ArrayList</a:t>
             </a:r>
             <a:endParaRPr lang="en-US" sz="2400" spc="-1" dirty="0" smtClean="0">
               <a:solidFill>
@@ -6522,7 +6527,7 @@
               <a:buChar char="•"/>
             </a:pPr>
             <a:r>
-              <a:rPr lang="en-US" sz="2400" spc="-1" dirty="0" smtClean="0">
+              <a:rPr lang="en-US" sz="2400" spc="-1" smtClean="0">
                 <a:solidFill>
                   <a:srgbClr val="000000"/>
                 </a:solidFill>
@@ -6533,8 +6538,19 @@
                 </a:uFill>
                 <a:latin typeface="Calibri"/>
               </a:rPr>
-              <a:t>@Deprecated Vector</a:t>
-            </a:r>
+              <a:t>Vector</a:t>
+            </a:r>
+            <a:endParaRPr lang="en-US" sz="2400" spc="-1" dirty="0" smtClean="0">
+              <a:solidFill>
+                <a:srgbClr val="000000"/>
+              </a:solidFill>
+              <a:uFill>
+                <a:solidFill>
+                  <a:srgbClr val="FFFFFF"/>
+                </a:solidFill>
+              </a:uFill>
+              <a:latin typeface="Calibri"/>
+            </a:endParaRPr>
           </a:p>
           <a:p>
             <a:pPr marL="285750" indent="-285750">
@@ -14972,17 +14988,6 @@
               </a:rPr>
               <a:t>          a may be not equal b</a:t>
             </a:r>
-            <a:endParaRPr lang="en-US" spc="-1" dirty="0" smtClean="0">
-              <a:solidFill>
-                <a:srgbClr val="000000"/>
-              </a:solidFill>
-              <a:uFill>
-                <a:solidFill>
-                  <a:srgbClr val="FFFFFF"/>
-                </a:solidFill>
-              </a:uFill>
-              <a:latin typeface="Calibri" panose="020F0502020204030204" pitchFamily="34" charset="0"/>
-            </a:endParaRPr>
           </a:p>
           <a:p>
             <a:pPr marL="342900" indent="-342900">
